--- a/docs/lecture_slides/Week 7/Week7_Lecture14_Slides_2_23_2024.pptx
+++ b/docs/lecture_slides/Week 7/Week7_Lecture14_Slides_2_23_2024.pptx
@@ -274,7 +274,7 @@
           <a:p>
             <a:fld id="{16242ECF-4EC5-4F6F-92F2-C9C58BEB3FE8}" type="datetimeFigureOut">
               <a:rPr lang="en-US" smtClean="0"/>
-              <a:t>2/23/2024</a:t>
+              <a:t>2/26/2024</a:t>
             </a:fld>
             <a:endParaRPr lang="en-US"/>
           </a:p>
@@ -472,7 +472,7 @@
           <a:p>
             <a:fld id="{16242ECF-4EC5-4F6F-92F2-C9C58BEB3FE8}" type="datetimeFigureOut">
               <a:rPr lang="en-US" smtClean="0"/>
-              <a:t>2/23/2024</a:t>
+              <a:t>2/26/2024</a:t>
             </a:fld>
             <a:endParaRPr lang="en-US"/>
           </a:p>
@@ -680,7 +680,7 @@
           <a:p>
             <a:fld id="{16242ECF-4EC5-4F6F-92F2-C9C58BEB3FE8}" type="datetimeFigureOut">
               <a:rPr lang="en-US" smtClean="0"/>
-              <a:t>2/23/2024</a:t>
+              <a:t>2/26/2024</a:t>
             </a:fld>
             <a:endParaRPr lang="en-US"/>
           </a:p>
@@ -878,7 +878,7 @@
           <a:p>
             <a:fld id="{16242ECF-4EC5-4F6F-92F2-C9C58BEB3FE8}" type="datetimeFigureOut">
               <a:rPr lang="en-US" smtClean="0"/>
-              <a:t>2/23/2024</a:t>
+              <a:t>2/26/2024</a:t>
             </a:fld>
             <a:endParaRPr lang="en-US"/>
           </a:p>
@@ -1153,7 +1153,7 @@
           <a:p>
             <a:fld id="{16242ECF-4EC5-4F6F-92F2-C9C58BEB3FE8}" type="datetimeFigureOut">
               <a:rPr lang="en-US" smtClean="0"/>
-              <a:t>2/23/2024</a:t>
+              <a:t>2/26/2024</a:t>
             </a:fld>
             <a:endParaRPr lang="en-US"/>
           </a:p>
@@ -1418,7 +1418,7 @@
           <a:p>
             <a:fld id="{16242ECF-4EC5-4F6F-92F2-C9C58BEB3FE8}" type="datetimeFigureOut">
               <a:rPr lang="en-US" smtClean="0"/>
-              <a:t>2/23/2024</a:t>
+              <a:t>2/26/2024</a:t>
             </a:fld>
             <a:endParaRPr lang="en-US"/>
           </a:p>
@@ -1830,7 +1830,7 @@
           <a:p>
             <a:fld id="{16242ECF-4EC5-4F6F-92F2-C9C58BEB3FE8}" type="datetimeFigureOut">
               <a:rPr lang="en-US" smtClean="0"/>
-              <a:t>2/23/2024</a:t>
+              <a:t>2/26/2024</a:t>
             </a:fld>
             <a:endParaRPr lang="en-US"/>
           </a:p>
@@ -1971,7 +1971,7 @@
           <a:p>
             <a:fld id="{16242ECF-4EC5-4F6F-92F2-C9C58BEB3FE8}" type="datetimeFigureOut">
               <a:rPr lang="en-US" smtClean="0"/>
-              <a:t>2/23/2024</a:t>
+              <a:t>2/26/2024</a:t>
             </a:fld>
             <a:endParaRPr lang="en-US"/>
           </a:p>
@@ -2084,7 +2084,7 @@
           <a:p>
             <a:fld id="{16242ECF-4EC5-4F6F-92F2-C9C58BEB3FE8}" type="datetimeFigureOut">
               <a:rPr lang="en-US" smtClean="0"/>
-              <a:t>2/23/2024</a:t>
+              <a:t>2/26/2024</a:t>
             </a:fld>
             <a:endParaRPr lang="en-US"/>
           </a:p>
@@ -2395,7 +2395,7 @@
           <a:p>
             <a:fld id="{16242ECF-4EC5-4F6F-92F2-C9C58BEB3FE8}" type="datetimeFigureOut">
               <a:rPr lang="en-US" smtClean="0"/>
-              <a:t>2/23/2024</a:t>
+              <a:t>2/26/2024</a:t>
             </a:fld>
             <a:endParaRPr lang="en-US"/>
           </a:p>
@@ -2683,7 +2683,7 @@
           <a:p>
             <a:fld id="{16242ECF-4EC5-4F6F-92F2-C9C58BEB3FE8}" type="datetimeFigureOut">
               <a:rPr lang="en-US" smtClean="0"/>
-              <a:t>2/23/2024</a:t>
+              <a:t>2/26/2024</a:t>
             </a:fld>
             <a:endParaRPr lang="en-US"/>
           </a:p>
@@ -2924,7 +2924,7 @@
           <a:p>
             <a:fld id="{16242ECF-4EC5-4F6F-92F2-C9C58BEB3FE8}" type="datetimeFigureOut">
               <a:rPr lang="en-US" smtClean="0"/>
-              <a:t>2/23/2024</a:t>
+              <a:t>2/26/2024</a:t>
             </a:fld>
             <a:endParaRPr lang="en-US"/>
           </a:p>
@@ -3371,7 +3371,7 @@
           <a:p>
             <a:r>
               <a:rPr lang="en-US"/>
-              <a:t>Lecture 13</a:t>
+              <a:t>Lecture 14</a:t>
             </a:r>
             <a:br>
               <a:rPr lang="en-US"/>
@@ -4752,8 +4752,8 @@
           </a:p>
         </p:txBody>
       </p:sp>
-      <mc:AlternateContent xmlns:mc="http://schemas.openxmlformats.org/markup-compatibility/2006">
-        <mc:Choice xmlns:a14="http://schemas.microsoft.com/office/drawing/2010/main" Requires="a14">
+      <mc:AlternateContent xmlns:mc="http://schemas.openxmlformats.org/markup-compatibility/2006" xmlns:a14="http://schemas.microsoft.com/office/drawing/2010/main">
+        <mc:Choice Requires="a14">
           <p:sp>
             <p:nvSpPr>
               <p:cNvPr id="3" name="Content Placeholder 2">
@@ -4981,7 +4981,7 @@
             </p:txBody>
           </p:sp>
         </mc:Choice>
-        <mc:Fallback>
+        <mc:Fallback xmlns="">
           <p:sp>
             <p:nvSpPr>
               <p:cNvPr id="3" name="Content Placeholder 2">
